--- a/산출물_프로젝트_스킬 관리/설계/AND-001.화면설계서/20200810_IMS_AND-07_화면설계서_스킬관리_상세팝업_v0.2.pptx
+++ b/산출물_프로젝트_스킬 관리/설계/AND-001.화면설계서/20200810_IMS_AND-07_화면설계서_스킬관리_상세팝업_v0.2.pptx
@@ -110,7 +110,7 @@
   </p:defaultTextStyle>
   <p:extLst>
     <p:ext uri="{EFAFB233-063F-42B5-8137-9DF3F51BA10A}">
-      <p15:sldGuideLst xmlns="" xmlns:p15="http://schemas.microsoft.com/office/powerpoint/2012/main"/>
+      <p15:sldGuideLst xmlns:p15="http://schemas.microsoft.com/office/powerpoint/2012/main" xmlns=""/>
     </p:ext>
   </p:extLst>
 </p:presentation>
@@ -3078,7 +3078,7 @@
           <p:nvPr>
             <p:extLst>
               <p:ext uri="{D42A27DB-BD31-4B8C-83A1-F6EECF244321}">
-                <p14:modId xmlns:p14="http://schemas.microsoft.com/office/powerpoint/2010/main" val="545746980"/>
+                <p14:modId xmlns:p14="http://schemas.microsoft.com/office/powerpoint/2010/main" val="2968075732"/>
               </p:ext>
             </p:extLst>
           </p:nvPr>
@@ -3097,14 +3097,14 @@
                 <a:gridCol w="2048256">
                   <a:extLst>
                     <a:ext uri="{9D8B030D-6E8A-4147-A177-3AD203B41FA5}">
-                      <a16:colId xmlns="" xmlns:a16="http://schemas.microsoft.com/office/drawing/2014/main" val="20000"/>
+                      <a16:colId xmlns:a16="http://schemas.microsoft.com/office/drawing/2014/main" xmlns="" val="20000"/>
                     </a:ext>
                   </a:extLst>
                 </a:gridCol>
                 <a:gridCol w="2048256">
                   <a:extLst>
                     <a:ext uri="{9D8B030D-6E8A-4147-A177-3AD203B41FA5}">
-                      <a16:colId xmlns="" xmlns:a16="http://schemas.microsoft.com/office/drawing/2014/main" val="20001"/>
+                      <a16:colId xmlns:a16="http://schemas.microsoft.com/office/drawing/2014/main" xmlns="" val="20001"/>
                     </a:ext>
                   </a:extLst>
                 </a:gridCol>
@@ -3234,7 +3234,7 @@
                 </a:tc>
                 <a:extLst>
                   <a:ext uri="{0D108BD9-81ED-4DB2-BD59-A6C34878D82A}">
-                    <a16:rowId xmlns="" xmlns:a16="http://schemas.microsoft.com/office/drawing/2014/main" val="10000"/>
+                    <a16:rowId xmlns:a16="http://schemas.microsoft.com/office/drawing/2014/main" xmlns="" val="10000"/>
                   </a:ext>
                 </a:extLst>
               </a:tr>
@@ -3312,7 +3312,7 @@
                       <a:pPr latinLnBrk="1"/>
                       <a:r>
                         <a:rPr lang="ko-KR" altLang="en-US" dirty="0" err="1" smtClean="0"/>
-                        <a:t>스킬관리</a:t>
+                        <a:t>스킬관리상세</a:t>
                       </a:r>
                       <a:endParaRPr lang="ko-KR" altLang="en-US" dirty="0"/>
                     </a:p>
@@ -3359,7 +3359,7 @@
                 </a:tc>
                 <a:extLst>
                   <a:ext uri="{0D108BD9-81ED-4DB2-BD59-A6C34878D82A}">
-                    <a16:rowId xmlns="" xmlns:a16="http://schemas.microsoft.com/office/drawing/2014/main" val="10001"/>
+                    <a16:rowId xmlns:a16="http://schemas.microsoft.com/office/drawing/2014/main" xmlns="" val="10001"/>
                   </a:ext>
                 </a:extLst>
               </a:tr>
@@ -3588,35 +3588,35 @@
                 <a:gridCol w="1137919">
                   <a:extLst>
                     <a:ext uri="{9D8B030D-6E8A-4147-A177-3AD203B41FA5}">
-                      <a16:colId xmlns="" xmlns:a16="http://schemas.microsoft.com/office/drawing/2014/main" val="20000"/>
+                      <a16:colId xmlns:a16="http://schemas.microsoft.com/office/drawing/2014/main" xmlns="" val="20000"/>
                     </a:ext>
                   </a:extLst>
                 </a:gridCol>
                 <a:gridCol w="1719072">
                   <a:extLst>
                     <a:ext uri="{9D8B030D-6E8A-4147-A177-3AD203B41FA5}">
-                      <a16:colId xmlns="" xmlns:a16="http://schemas.microsoft.com/office/drawing/2014/main" val="20001"/>
+                      <a16:colId xmlns:a16="http://schemas.microsoft.com/office/drawing/2014/main" xmlns="" val="20001"/>
                     </a:ext>
                   </a:extLst>
                 </a:gridCol>
                 <a:gridCol w="5315712">
                   <a:extLst>
                     <a:ext uri="{9D8B030D-6E8A-4147-A177-3AD203B41FA5}">
-                      <a16:colId xmlns="" xmlns:a16="http://schemas.microsoft.com/office/drawing/2014/main" val="20002"/>
+                      <a16:colId xmlns:a16="http://schemas.microsoft.com/office/drawing/2014/main" xmlns="" val="20002"/>
                     </a:ext>
                   </a:extLst>
                 </a:gridCol>
                 <a:gridCol w="1828800">
                   <a:extLst>
                     <a:ext uri="{9D8B030D-6E8A-4147-A177-3AD203B41FA5}">
-                      <a16:colId xmlns="" xmlns:a16="http://schemas.microsoft.com/office/drawing/2014/main" val="20003"/>
+                      <a16:colId xmlns:a16="http://schemas.microsoft.com/office/drawing/2014/main" xmlns="" val="20003"/>
                     </a:ext>
                   </a:extLst>
                 </a:gridCol>
                 <a:gridCol w="1536192">
                   <a:extLst>
                     <a:ext uri="{9D8B030D-6E8A-4147-A177-3AD203B41FA5}">
-                      <a16:colId xmlns="" xmlns:a16="http://schemas.microsoft.com/office/drawing/2014/main" val="20004"/>
+                      <a16:colId xmlns:a16="http://schemas.microsoft.com/office/drawing/2014/main" xmlns="" val="20004"/>
                     </a:ext>
                   </a:extLst>
                 </a:gridCol>
@@ -3949,7 +3949,7 @@
                 </a:tc>
                 <a:extLst>
                   <a:ext uri="{0D108BD9-81ED-4DB2-BD59-A6C34878D82A}">
-                    <a16:rowId xmlns="" xmlns:a16="http://schemas.microsoft.com/office/drawing/2014/main" val="10000"/>
+                    <a16:rowId xmlns:a16="http://schemas.microsoft.com/office/drawing/2014/main" xmlns="" val="10000"/>
                   </a:ext>
                 </a:extLst>
               </a:tr>
@@ -4217,7 +4217,7 @@
                 </a:tc>
                 <a:extLst>
                   <a:ext uri="{0D108BD9-81ED-4DB2-BD59-A6C34878D82A}">
-                    <a16:rowId xmlns="" xmlns:a16="http://schemas.microsoft.com/office/drawing/2014/main" val="10001"/>
+                    <a16:rowId xmlns:a16="http://schemas.microsoft.com/office/drawing/2014/main" xmlns="" val="10001"/>
                   </a:ext>
                 </a:extLst>
               </a:tr>
@@ -4485,7 +4485,7 @@
                 </a:tc>
                 <a:extLst>
                   <a:ext uri="{0D108BD9-81ED-4DB2-BD59-A6C34878D82A}">
-                    <a16:rowId xmlns="" xmlns:a16="http://schemas.microsoft.com/office/drawing/2014/main" val="10002"/>
+                    <a16:rowId xmlns:a16="http://schemas.microsoft.com/office/drawing/2014/main" xmlns="" val="10002"/>
                   </a:ext>
                 </a:extLst>
               </a:tr>
@@ -4737,7 +4737,7 @@
                 </a:tc>
                 <a:extLst>
                   <a:ext uri="{0D108BD9-81ED-4DB2-BD59-A6C34878D82A}">
-                    <a16:rowId xmlns="" xmlns:a16="http://schemas.microsoft.com/office/drawing/2014/main" val="10003"/>
+                    <a16:rowId xmlns:a16="http://schemas.microsoft.com/office/drawing/2014/main" xmlns="" val="10003"/>
                   </a:ext>
                 </a:extLst>
               </a:tr>
@@ -4989,7 +4989,7 @@
                 </a:tc>
                 <a:extLst>
                   <a:ext uri="{0D108BD9-81ED-4DB2-BD59-A6C34878D82A}">
-                    <a16:rowId xmlns="" xmlns:a16="http://schemas.microsoft.com/office/drawing/2014/main" val="10004"/>
+                    <a16:rowId xmlns:a16="http://schemas.microsoft.com/office/drawing/2014/main" xmlns="" val="10004"/>
                   </a:ext>
                 </a:extLst>
               </a:tr>
@@ -5241,7 +5241,7 @@
                 </a:tc>
                 <a:extLst>
                   <a:ext uri="{0D108BD9-81ED-4DB2-BD59-A6C34878D82A}">
-                    <a16:rowId xmlns="" xmlns:a16="http://schemas.microsoft.com/office/drawing/2014/main" val="10005"/>
+                    <a16:rowId xmlns:a16="http://schemas.microsoft.com/office/drawing/2014/main" xmlns="" val="10005"/>
                   </a:ext>
                 </a:extLst>
               </a:tr>
@@ -5493,7 +5493,7 @@
                 </a:tc>
                 <a:extLst>
                   <a:ext uri="{0D108BD9-81ED-4DB2-BD59-A6C34878D82A}">
-                    <a16:rowId xmlns="" xmlns:a16="http://schemas.microsoft.com/office/drawing/2014/main" val="10006"/>
+                    <a16:rowId xmlns:a16="http://schemas.microsoft.com/office/drawing/2014/main" xmlns="" val="10006"/>
                   </a:ext>
                 </a:extLst>
               </a:tr>
@@ -5745,7 +5745,7 @@
                 </a:tc>
                 <a:extLst>
                   <a:ext uri="{0D108BD9-81ED-4DB2-BD59-A6C34878D82A}">
-                    <a16:rowId xmlns="" xmlns:a16="http://schemas.microsoft.com/office/drawing/2014/main" val="10007"/>
+                    <a16:rowId xmlns:a16="http://schemas.microsoft.com/office/drawing/2014/main" xmlns="" val="10007"/>
                   </a:ext>
                 </a:extLst>
               </a:tr>
@@ -5997,7 +5997,7 @@
                 </a:tc>
                 <a:extLst>
                   <a:ext uri="{0D108BD9-81ED-4DB2-BD59-A6C34878D82A}">
-                    <a16:rowId xmlns="" xmlns:a16="http://schemas.microsoft.com/office/drawing/2014/main" val="10008"/>
+                    <a16:rowId xmlns:a16="http://schemas.microsoft.com/office/drawing/2014/main" xmlns="" val="10008"/>
                   </a:ext>
                 </a:extLst>
               </a:tr>
@@ -6249,7 +6249,7 @@
                 </a:tc>
                 <a:extLst>
                   <a:ext uri="{0D108BD9-81ED-4DB2-BD59-A6C34878D82A}">
-                    <a16:rowId xmlns="" xmlns:a16="http://schemas.microsoft.com/office/drawing/2014/main" val="10009"/>
+                    <a16:rowId xmlns:a16="http://schemas.microsoft.com/office/drawing/2014/main" xmlns="" val="10009"/>
                   </a:ext>
                 </a:extLst>
               </a:tr>
@@ -6501,7 +6501,7 @@
                 </a:tc>
                 <a:extLst>
                   <a:ext uri="{0D108BD9-81ED-4DB2-BD59-A6C34878D82A}">
-                    <a16:rowId xmlns="" xmlns:a16="http://schemas.microsoft.com/office/drawing/2014/main" val="10010"/>
+                    <a16:rowId xmlns:a16="http://schemas.microsoft.com/office/drawing/2014/main" xmlns="" val="10010"/>
                   </a:ext>
                 </a:extLst>
               </a:tr>
@@ -6753,7 +6753,7 @@
                 </a:tc>
                 <a:extLst>
                   <a:ext uri="{0D108BD9-81ED-4DB2-BD59-A6C34878D82A}">
-                    <a16:rowId xmlns="" xmlns:a16="http://schemas.microsoft.com/office/drawing/2014/main" val="10011"/>
+                    <a16:rowId xmlns:a16="http://schemas.microsoft.com/office/drawing/2014/main" xmlns="" val="10011"/>
                   </a:ext>
                 </a:extLst>
               </a:tr>
@@ -7398,14 +7398,14 @@
                 <a:gridCol w="1938224">
                   <a:extLst>
                     <a:ext uri="{9D8B030D-6E8A-4147-A177-3AD203B41FA5}">
-                      <a16:colId xmlns="" xmlns:a16="http://schemas.microsoft.com/office/drawing/2014/main" val="20000"/>
+                      <a16:colId xmlns:a16="http://schemas.microsoft.com/office/drawing/2014/main" xmlns="" val="20000"/>
                     </a:ext>
                   </a:extLst>
                 </a:gridCol>
                 <a:gridCol w="8465233">
                   <a:extLst>
                     <a:ext uri="{9D8B030D-6E8A-4147-A177-3AD203B41FA5}">
-                      <a16:colId xmlns="" xmlns:a16="http://schemas.microsoft.com/office/drawing/2014/main" val="20001"/>
+                      <a16:colId xmlns:a16="http://schemas.microsoft.com/office/drawing/2014/main" xmlns="" val="20001"/>
                     </a:ext>
                   </a:extLst>
                 </a:gridCol>
@@ -7485,7 +7485,7 @@
                 </a:tc>
                 <a:extLst>
                   <a:ext uri="{0D108BD9-81ED-4DB2-BD59-A6C34878D82A}">
-                    <a16:rowId xmlns="" xmlns:a16="http://schemas.microsoft.com/office/drawing/2014/main" val="10000"/>
+                    <a16:rowId xmlns:a16="http://schemas.microsoft.com/office/drawing/2014/main" xmlns="" val="10000"/>
                   </a:ext>
                 </a:extLst>
               </a:tr>
@@ -7614,7 +7614,7 @@
                 </a:tc>
                 <a:extLst>
                   <a:ext uri="{0D108BD9-81ED-4DB2-BD59-A6C34878D82A}">
-                    <a16:rowId xmlns="" xmlns:a16="http://schemas.microsoft.com/office/drawing/2014/main" val="10001"/>
+                    <a16:rowId xmlns:a16="http://schemas.microsoft.com/office/drawing/2014/main" xmlns="" val="10001"/>
                   </a:ext>
                 </a:extLst>
               </a:tr>
@@ -7786,7 +7786,7 @@
                 </a:tc>
                 <a:extLst>
                   <a:ext uri="{0D108BD9-81ED-4DB2-BD59-A6C34878D82A}">
-                    <a16:rowId xmlns="" xmlns:a16="http://schemas.microsoft.com/office/drawing/2014/main" val="10002"/>
+                    <a16:rowId xmlns:a16="http://schemas.microsoft.com/office/drawing/2014/main" xmlns="" val="10002"/>
                   </a:ext>
                 </a:extLst>
               </a:tr>
@@ -7951,7 +7951,7 @@
                 </a:tc>
                 <a:extLst>
                   <a:ext uri="{0D108BD9-81ED-4DB2-BD59-A6C34878D82A}">
-                    <a16:rowId xmlns="" xmlns:a16="http://schemas.microsoft.com/office/drawing/2014/main" val="10003"/>
+                    <a16:rowId xmlns:a16="http://schemas.microsoft.com/office/drawing/2014/main" xmlns="" val="10003"/>
                   </a:ext>
                 </a:extLst>
               </a:tr>
@@ -8151,7 +8151,7 @@
                 </a:tc>
                 <a:extLst>
                   <a:ext uri="{0D108BD9-81ED-4DB2-BD59-A6C34878D82A}">
-                    <a16:rowId xmlns="" xmlns:a16="http://schemas.microsoft.com/office/drawing/2014/main" val="10004"/>
+                    <a16:rowId xmlns:a16="http://schemas.microsoft.com/office/drawing/2014/main" xmlns="" val="10004"/>
                   </a:ext>
                 </a:extLst>
               </a:tr>
@@ -8319,7 +8319,7 @@
                 </a:tc>
                 <a:extLst>
                   <a:ext uri="{0D108BD9-81ED-4DB2-BD59-A6C34878D82A}">
-                    <a16:rowId xmlns="" xmlns:a16="http://schemas.microsoft.com/office/drawing/2014/main" val="10005"/>
+                    <a16:rowId xmlns:a16="http://schemas.microsoft.com/office/drawing/2014/main" xmlns="" val="10005"/>
                   </a:ext>
                 </a:extLst>
               </a:tr>
@@ -8519,7 +8519,7 @@
                 </a:tc>
                 <a:extLst>
                   <a:ext uri="{0D108BD9-81ED-4DB2-BD59-A6C34878D82A}">
-                    <a16:rowId xmlns="" xmlns:a16="http://schemas.microsoft.com/office/drawing/2014/main" val="10006"/>
+                    <a16:rowId xmlns:a16="http://schemas.microsoft.com/office/drawing/2014/main" xmlns="" val="10006"/>
                   </a:ext>
                 </a:extLst>
               </a:tr>
@@ -8682,7 +8682,7 @@
                 </a:tc>
                 <a:extLst>
                   <a:ext uri="{0D108BD9-81ED-4DB2-BD59-A6C34878D82A}">
-                    <a16:rowId xmlns="" xmlns:a16="http://schemas.microsoft.com/office/drawing/2014/main" val="10007"/>
+                    <a16:rowId xmlns:a16="http://schemas.microsoft.com/office/drawing/2014/main" xmlns="" val="10007"/>
                   </a:ext>
                 </a:extLst>
               </a:tr>
@@ -8838,7 +8838,7 @@
                 </a:tc>
                 <a:extLst>
                   <a:ext uri="{0D108BD9-81ED-4DB2-BD59-A6C34878D82A}">
-                    <a16:rowId xmlns="" xmlns:a16="http://schemas.microsoft.com/office/drawing/2014/main" val="10008"/>
+                    <a16:rowId xmlns:a16="http://schemas.microsoft.com/office/drawing/2014/main" xmlns="" val="10008"/>
                   </a:ext>
                 </a:extLst>
               </a:tr>
@@ -8998,7 +8998,7 @@
                 </a:tc>
                 <a:extLst>
                   <a:ext uri="{0D108BD9-81ED-4DB2-BD59-A6C34878D82A}">
-                    <a16:rowId xmlns="" xmlns:a16="http://schemas.microsoft.com/office/drawing/2014/main" val="10009"/>
+                    <a16:rowId xmlns:a16="http://schemas.microsoft.com/office/drawing/2014/main" xmlns="" val="10009"/>
                   </a:ext>
                 </a:extLst>
               </a:tr>
@@ -9154,7 +9154,7 @@
                 </a:tc>
                 <a:extLst>
                   <a:ext uri="{0D108BD9-81ED-4DB2-BD59-A6C34878D82A}">
-                    <a16:rowId xmlns="" xmlns:a16="http://schemas.microsoft.com/office/drawing/2014/main" val="10010"/>
+                    <a16:rowId xmlns:a16="http://schemas.microsoft.com/office/drawing/2014/main" xmlns="" val="10010"/>
                   </a:ext>
                 </a:extLst>
               </a:tr>
@@ -9317,7 +9317,7 @@
                 </a:tc>
                 <a:extLst>
                   <a:ext uri="{0D108BD9-81ED-4DB2-BD59-A6C34878D82A}">
-                    <a16:rowId xmlns="" xmlns:a16="http://schemas.microsoft.com/office/drawing/2014/main" val="10011"/>
+                    <a16:rowId xmlns:a16="http://schemas.microsoft.com/office/drawing/2014/main" xmlns="" val="10011"/>
                   </a:ext>
                 </a:extLst>
               </a:tr>
@@ -9473,7 +9473,7 @@
                 </a:tc>
                 <a:extLst>
                   <a:ext uri="{0D108BD9-81ED-4DB2-BD59-A6C34878D82A}">
-                    <a16:rowId xmlns="" xmlns:a16="http://schemas.microsoft.com/office/drawing/2014/main" val="10012"/>
+                    <a16:rowId xmlns:a16="http://schemas.microsoft.com/office/drawing/2014/main" xmlns="" val="10012"/>
                   </a:ext>
                 </a:extLst>
               </a:tr>
@@ -9580,19 +9580,7 @@
                           <a:ea typeface="맑은 고딕" panose="020B0503020000020004" pitchFamily="50" charset="-127"/>
                           <a:cs typeface="+mn-cs"/>
                         </a:rPr>
-                        <a:t>삭제 </a:t>
-                      </a:r>
-                      <a:r>
-                        <a:rPr lang="ko-KR" altLang="en-US" sz="1100" b="0" i="0" u="none" strike="noStrike" kern="1200" dirty="0" smtClean="0">
-                          <a:solidFill>
-                            <a:srgbClr val="000000"/>
-                          </a:solidFill>
-                          <a:effectLst/>
-                          <a:latin typeface="맑은 고딕" panose="020B0503020000020004" pitchFamily="50" charset="-127"/>
-                          <a:ea typeface="맑은 고딕" panose="020B0503020000020004" pitchFamily="50" charset="-127"/>
-                          <a:cs typeface="+mn-cs"/>
-                        </a:rPr>
-                        <a:t>버튼 클릭</a:t>
+                        <a:t>삭제 버튼 클릭</a:t>
                       </a:r>
                       <a:endParaRPr lang="ko-KR" altLang="en-US" sz="1100" b="0" i="0" u="none" strike="noStrike" kern="1200" dirty="0">
                         <a:solidFill>
@@ -9651,7 +9639,7 @@
                 </a:tc>
                 <a:extLst>
                   <a:ext uri="{0D108BD9-81ED-4DB2-BD59-A6C34878D82A}">
-                    <a16:rowId xmlns="" xmlns:a16="http://schemas.microsoft.com/office/drawing/2014/main" val="10013"/>
+                    <a16:rowId xmlns:a16="http://schemas.microsoft.com/office/drawing/2014/main" xmlns="" val="10013"/>
                   </a:ext>
                 </a:extLst>
               </a:tr>
@@ -9811,7 +9799,7 @@
                 </a:tc>
                 <a:extLst>
                   <a:ext uri="{0D108BD9-81ED-4DB2-BD59-A6C34878D82A}">
-                    <a16:rowId xmlns="" xmlns:a16="http://schemas.microsoft.com/office/drawing/2014/main" val="10014"/>
+                    <a16:rowId xmlns:a16="http://schemas.microsoft.com/office/drawing/2014/main" xmlns="" val="10014"/>
                   </a:ext>
                 </a:extLst>
               </a:tr>
@@ -9969,14 +9957,14 @@
           <p:nvPr>
             <p:extLst>
               <p:ext uri="{D42A27DB-BD31-4B8C-83A1-F6EECF244321}">
-                <p14:modId xmlns:p14="http://schemas.microsoft.com/office/powerpoint/2010/main" val="3492774785"/>
+                <p14:modId xmlns:p14="http://schemas.microsoft.com/office/powerpoint/2010/main" val="1869435725"/>
               </p:ext>
             </p:extLst>
           </p:nvPr>
         </p:nvGraphicFramePr>
         <p:xfrm>
           <a:off x="456220" y="1303263"/>
-          <a:ext cx="10403457" cy="2059075"/>
+          <a:ext cx="10403457" cy="1806319"/>
         </p:xfrm>
         <a:graphic>
           <a:graphicData uri="http://schemas.openxmlformats.org/drawingml/2006/table">
@@ -9986,42 +9974,42 @@
                 <a:gridCol w="1938224">
                   <a:extLst>
                     <a:ext uri="{9D8B030D-6E8A-4147-A177-3AD203B41FA5}">
-                      <a16:colId xmlns="" xmlns:a16="http://schemas.microsoft.com/office/drawing/2014/main" val="20000"/>
+                      <a16:colId xmlns:a16="http://schemas.microsoft.com/office/drawing/2014/main" xmlns="" val="20000"/>
                     </a:ext>
                   </a:extLst>
                 </a:gridCol>
                 <a:gridCol w="1693047">
                   <a:extLst>
                     <a:ext uri="{9D8B030D-6E8A-4147-A177-3AD203B41FA5}">
-                      <a16:colId xmlns="" xmlns:a16="http://schemas.microsoft.com/office/drawing/2014/main" val="20001"/>
+                      <a16:colId xmlns:a16="http://schemas.microsoft.com/office/drawing/2014/main" xmlns="" val="20001"/>
                     </a:ext>
                   </a:extLst>
                 </a:gridCol>
                 <a:gridCol w="1693046">
                   <a:extLst>
                     <a:ext uri="{9D8B030D-6E8A-4147-A177-3AD203B41FA5}">
-                      <a16:colId xmlns="" xmlns:a16="http://schemas.microsoft.com/office/drawing/2014/main" val="20002"/>
+                      <a16:colId xmlns:a16="http://schemas.microsoft.com/office/drawing/2014/main" xmlns="" val="20002"/>
                     </a:ext>
                   </a:extLst>
                 </a:gridCol>
                 <a:gridCol w="1693047">
                   <a:extLst>
                     <a:ext uri="{9D8B030D-6E8A-4147-A177-3AD203B41FA5}">
-                      <a16:colId xmlns="" xmlns:a16="http://schemas.microsoft.com/office/drawing/2014/main" val="20003"/>
+                      <a16:colId xmlns:a16="http://schemas.microsoft.com/office/drawing/2014/main" xmlns="" val="20003"/>
                     </a:ext>
                   </a:extLst>
                 </a:gridCol>
                 <a:gridCol w="1693046">
                   <a:extLst>
                     <a:ext uri="{9D8B030D-6E8A-4147-A177-3AD203B41FA5}">
-                      <a16:colId xmlns="" xmlns:a16="http://schemas.microsoft.com/office/drawing/2014/main" val="20004"/>
+                      <a16:colId xmlns:a16="http://schemas.microsoft.com/office/drawing/2014/main" xmlns="" val="20004"/>
                     </a:ext>
                   </a:extLst>
                 </a:gridCol>
                 <a:gridCol w="1693047">
                   <a:extLst>
                     <a:ext uri="{9D8B030D-6E8A-4147-A177-3AD203B41FA5}">
-                      <a16:colId xmlns="" xmlns:a16="http://schemas.microsoft.com/office/drawing/2014/main" val="20005"/>
+                      <a16:colId xmlns:a16="http://schemas.microsoft.com/office/drawing/2014/main" xmlns="" val="20005"/>
                     </a:ext>
                   </a:extLst>
                 </a:gridCol>
@@ -10145,7 +10133,7 @@
                 </a:tc>
                 <a:extLst>
                   <a:ext uri="{0D108BD9-81ED-4DB2-BD59-A6C34878D82A}">
-                    <a16:rowId xmlns="" xmlns:a16="http://schemas.microsoft.com/office/drawing/2014/main" val="10000"/>
+                    <a16:rowId xmlns:a16="http://schemas.microsoft.com/office/drawing/2014/main" xmlns="" val="10000"/>
                   </a:ext>
                 </a:extLst>
               </a:tr>
@@ -10577,12 +10565,12 @@
                 </a:tc>
                 <a:extLst>
                   <a:ext uri="{0D108BD9-81ED-4DB2-BD59-A6C34878D82A}">
-                    <a16:rowId xmlns="" xmlns:a16="http://schemas.microsoft.com/office/drawing/2014/main" val="10001"/>
+                    <a16:rowId xmlns:a16="http://schemas.microsoft.com/office/drawing/2014/main" xmlns="" val="10001"/>
                   </a:ext>
                 </a:extLst>
               </a:tr>
-              <a:tr h="252756">
-                <a:tc rowSpan="6">
+              <a:tr h="289783">
+                <a:tc rowSpan="5">
                   <a:txBody>
                     <a:bodyPr/>
                     <a:lstStyle/>
@@ -10666,379 +10654,6 @@
                         </a:rPr>
                         <a:t>　</a:t>
                       </a:r>
-                    </a:p>
-                  </a:txBody>
-                  <a:tcPr marL="9525" marR="9525" marT="9525" marB="0" anchor="ctr">
-                    <a:lnL w="6350" cap="flat" cmpd="sng" algn="ctr">
-                      <a:solidFill>
-                        <a:srgbClr val="000000"/>
-                      </a:solidFill>
-                      <a:prstDash val="solid"/>
-                      <a:round/>
-                      <a:headEnd type="none" w="med" len="med"/>
-                      <a:tailEnd type="none" w="med" len="med"/>
-                    </a:lnL>
-                    <a:lnR w="6350" cap="flat" cmpd="sng" algn="ctr">
-                      <a:solidFill>
-                        <a:srgbClr val="000000"/>
-                      </a:solidFill>
-                      <a:prstDash val="solid"/>
-                      <a:round/>
-                      <a:headEnd type="none" w="med" len="med"/>
-                      <a:tailEnd type="none" w="med" len="med"/>
-                    </a:lnR>
-                    <a:lnT w="6350" cap="flat" cmpd="sng" algn="ctr">
-                      <a:solidFill>
-                        <a:srgbClr val="000000"/>
-                      </a:solidFill>
-                      <a:prstDash val="solid"/>
-                      <a:round/>
-                      <a:headEnd type="none" w="med" len="med"/>
-                      <a:tailEnd type="none" w="med" len="med"/>
-                    </a:lnT>
-                    <a:lnB w="6350" cap="flat" cmpd="sng" algn="ctr">
-                      <a:solidFill>
-                        <a:srgbClr val="000000"/>
-                      </a:solidFill>
-                      <a:prstDash val="solid"/>
-                      <a:round/>
-                      <a:headEnd type="none" w="med" len="med"/>
-                      <a:tailEnd type="none" w="med" len="med"/>
-                    </a:lnB>
-                    <a:solidFill>
-                      <a:srgbClr val="D0CECE"/>
-                    </a:solidFill>
-                  </a:tcPr>
-                </a:tc>
-                <a:tc>
-                  <a:txBody>
-                    <a:bodyPr/>
-                    <a:lstStyle/>
-                    <a:p>
-                      <a:pPr algn="ctr" fontAlgn="ctr"/>
-                      <a:r>
-                        <a:rPr lang="ko-KR" altLang="en-US" sz="1100" b="0" i="0" u="none" strike="noStrike" dirty="0" smtClean="0">
-                          <a:solidFill>
-                            <a:srgbClr val="000000"/>
-                          </a:solidFill>
-                          <a:effectLst/>
-                          <a:latin typeface="맑은 고딕" panose="020B0503020000020004" pitchFamily="50" charset="-127"/>
-                          <a:ea typeface="맑은 고딕" panose="020B0503020000020004" pitchFamily="50" charset="-127"/>
-                        </a:rPr>
-                        <a:t>비고</a:t>
-                      </a:r>
-                      <a:endParaRPr lang="ko-KR" altLang="en-US" sz="1100" b="0" i="0" u="none" strike="noStrike" dirty="0">
-                        <a:solidFill>
-                          <a:srgbClr val="000000"/>
-                        </a:solidFill>
-                        <a:effectLst/>
-                        <a:latin typeface="맑은 고딕" panose="020B0503020000020004" pitchFamily="50" charset="-127"/>
-                        <a:ea typeface="맑은 고딕" panose="020B0503020000020004" pitchFamily="50" charset="-127"/>
-                      </a:endParaRPr>
-                    </a:p>
-                  </a:txBody>
-                  <a:tcPr marL="9525" marR="9525" marT="9525" marB="0" anchor="ctr">
-                    <a:lnL w="6350" cap="flat" cmpd="sng" algn="ctr">
-                      <a:solidFill>
-                        <a:srgbClr val="000000"/>
-                      </a:solidFill>
-                      <a:prstDash val="solid"/>
-                      <a:round/>
-                      <a:headEnd type="none" w="med" len="med"/>
-                      <a:tailEnd type="none" w="med" len="med"/>
-                    </a:lnL>
-                    <a:lnR w="6350" cap="flat" cmpd="sng" algn="ctr">
-                      <a:solidFill>
-                        <a:srgbClr val="000000"/>
-                      </a:solidFill>
-                      <a:prstDash val="solid"/>
-                      <a:round/>
-                      <a:headEnd type="none" w="med" len="med"/>
-                      <a:tailEnd type="none" w="med" len="med"/>
-                    </a:lnR>
-                    <a:lnT w="6350" cap="flat" cmpd="sng" algn="ctr">
-                      <a:solidFill>
-                        <a:srgbClr val="000000"/>
-                      </a:solidFill>
-                      <a:prstDash val="solid"/>
-                      <a:round/>
-                      <a:headEnd type="none" w="med" len="med"/>
-                      <a:tailEnd type="none" w="med" len="med"/>
-                    </a:lnT>
-                    <a:lnB w="6350" cap="flat" cmpd="sng" algn="ctr">
-                      <a:solidFill>
-                        <a:srgbClr val="000000"/>
-                      </a:solidFill>
-                      <a:prstDash val="solid"/>
-                      <a:round/>
-                      <a:headEnd type="none" w="med" len="med"/>
-                      <a:tailEnd type="none" w="med" len="med"/>
-                    </a:lnB>
-                  </a:tcPr>
-                </a:tc>
-                <a:tc>
-                  <a:txBody>
-                    <a:bodyPr/>
-                    <a:lstStyle/>
-                    <a:p>
-                      <a:pPr algn="ctr" fontAlgn="ctr"/>
-                      <a:r>
-                        <a:rPr lang="en-US" altLang="ko-KR" sz="1100" b="0" i="0" u="none" strike="noStrike" dirty="0" smtClean="0">
-                          <a:solidFill>
-                            <a:srgbClr val="000000"/>
-                          </a:solidFill>
-                          <a:effectLst/>
-                          <a:latin typeface="맑은 고딕" panose="020B0503020000020004" pitchFamily="50" charset="-127"/>
-                          <a:ea typeface="맑은 고딕" panose="020B0503020000020004" pitchFamily="50" charset="-127"/>
-                        </a:rPr>
-                        <a:t>E</a:t>
-                      </a:r>
-                      <a:endParaRPr lang="ko-KR" altLang="en-US" sz="1100" b="0" i="0" u="none" strike="noStrike" dirty="0">
-                        <a:solidFill>
-                          <a:srgbClr val="000000"/>
-                        </a:solidFill>
-                        <a:effectLst/>
-                        <a:latin typeface="맑은 고딕" panose="020B0503020000020004" pitchFamily="50" charset="-127"/>
-                        <a:ea typeface="맑은 고딕" panose="020B0503020000020004" pitchFamily="50" charset="-127"/>
-                      </a:endParaRPr>
-                    </a:p>
-                  </a:txBody>
-                  <a:tcPr marL="9525" marR="9525" marT="9525" marB="0" anchor="ctr">
-                    <a:lnL w="6350" cap="flat" cmpd="sng" algn="ctr">
-                      <a:solidFill>
-                        <a:srgbClr val="000000"/>
-                      </a:solidFill>
-                      <a:prstDash val="solid"/>
-                      <a:round/>
-                      <a:headEnd type="none" w="med" len="med"/>
-                      <a:tailEnd type="none" w="med" len="med"/>
-                    </a:lnL>
-                    <a:lnR w="6350" cap="flat" cmpd="sng" algn="ctr">
-                      <a:solidFill>
-                        <a:srgbClr val="000000"/>
-                      </a:solidFill>
-                      <a:prstDash val="solid"/>
-                      <a:round/>
-                      <a:headEnd type="none" w="med" len="med"/>
-                      <a:tailEnd type="none" w="med" len="med"/>
-                    </a:lnR>
-                    <a:lnT w="6350" cap="flat" cmpd="sng" algn="ctr">
-                      <a:solidFill>
-                        <a:srgbClr val="000000"/>
-                      </a:solidFill>
-                      <a:prstDash val="solid"/>
-                      <a:round/>
-                      <a:headEnd type="none" w="med" len="med"/>
-                      <a:tailEnd type="none" w="med" len="med"/>
-                    </a:lnT>
-                    <a:lnB w="6350" cap="flat" cmpd="sng" algn="ctr">
-                      <a:solidFill>
-                        <a:srgbClr val="000000"/>
-                      </a:solidFill>
-                      <a:prstDash val="solid"/>
-                      <a:round/>
-                      <a:headEnd type="none" w="med" len="med"/>
-                      <a:tailEnd type="none" w="med" len="med"/>
-                    </a:lnB>
-                  </a:tcPr>
-                </a:tc>
-                <a:tc>
-                  <a:txBody>
-                    <a:bodyPr/>
-                    <a:lstStyle/>
-                    <a:p>
-                      <a:pPr algn="l" fontAlgn="ctr"/>
-                      <a:endParaRPr lang="ko-KR" altLang="en-US" sz="1100" b="0" i="0" u="none" strike="noStrike" dirty="0">
-                        <a:solidFill>
-                          <a:srgbClr val="000000"/>
-                        </a:solidFill>
-                        <a:effectLst/>
-                        <a:latin typeface="맑은 고딕" panose="020B0503020000020004" pitchFamily="50" charset="-127"/>
-                        <a:ea typeface="맑은 고딕" panose="020B0503020000020004" pitchFamily="50" charset="-127"/>
-                      </a:endParaRPr>
-                    </a:p>
-                  </a:txBody>
-                  <a:tcPr marL="9525" marR="9525" marT="9525" marB="0" anchor="ctr">
-                    <a:lnL w="6350" cap="flat" cmpd="sng" algn="ctr">
-                      <a:solidFill>
-                        <a:srgbClr val="000000"/>
-                      </a:solidFill>
-                      <a:prstDash val="solid"/>
-                      <a:round/>
-                      <a:headEnd type="none" w="med" len="med"/>
-                      <a:tailEnd type="none" w="med" len="med"/>
-                    </a:lnL>
-                    <a:lnR w="6350" cap="flat" cmpd="sng" algn="ctr">
-                      <a:solidFill>
-                        <a:srgbClr val="000000"/>
-                      </a:solidFill>
-                      <a:prstDash val="solid"/>
-                      <a:round/>
-                      <a:headEnd type="none" w="med" len="med"/>
-                      <a:tailEnd type="none" w="med" len="med"/>
-                    </a:lnR>
-                    <a:lnT w="6350" cap="flat" cmpd="sng" algn="ctr">
-                      <a:solidFill>
-                        <a:srgbClr val="000000"/>
-                      </a:solidFill>
-                      <a:prstDash val="solid"/>
-                      <a:round/>
-                      <a:headEnd type="none" w="med" len="med"/>
-                      <a:tailEnd type="none" w="med" len="med"/>
-                    </a:lnT>
-                    <a:lnB w="6350" cap="flat" cmpd="sng" algn="ctr">
-                      <a:solidFill>
-                        <a:srgbClr val="000000"/>
-                      </a:solidFill>
-                      <a:prstDash val="solid"/>
-                      <a:round/>
-                      <a:headEnd type="none" w="med" len="med"/>
-                      <a:tailEnd type="none" w="med" len="med"/>
-                    </a:lnB>
-                  </a:tcPr>
-                </a:tc>
-                <a:tc>
-                  <a:txBody>
-                    <a:bodyPr/>
-                    <a:lstStyle/>
-                    <a:p>
-                      <a:pPr algn="ctr" fontAlgn="ctr"/>
-                      <a:r>
-                        <a:rPr lang="ko-KR" altLang="en-US" sz="1100" b="0" i="0" u="none" strike="noStrike" dirty="0" smtClean="0">
-                          <a:solidFill>
-                            <a:srgbClr val="000000"/>
-                          </a:solidFill>
-                          <a:effectLst/>
-                          <a:latin typeface="맑은 고딕" panose="020B0503020000020004" pitchFamily="50" charset="-127"/>
-                          <a:ea typeface="맑은 고딕" panose="020B0503020000020004" pitchFamily="50" charset="-127"/>
-                        </a:rPr>
-                        <a:t>비고</a:t>
-                      </a:r>
-                      <a:endParaRPr lang="ko-KR" altLang="en-US" sz="1100" b="0" i="0" u="none" strike="noStrike" dirty="0">
-                        <a:solidFill>
-                          <a:srgbClr val="000000"/>
-                        </a:solidFill>
-                        <a:effectLst/>
-                        <a:latin typeface="맑은 고딕" panose="020B0503020000020004" pitchFamily="50" charset="-127"/>
-                        <a:ea typeface="맑은 고딕" panose="020B0503020000020004" pitchFamily="50" charset="-127"/>
-                      </a:endParaRPr>
-                    </a:p>
-                  </a:txBody>
-                  <a:tcPr marL="9525" marR="9525" marT="9525" marB="0" anchor="ctr">
-                    <a:lnL w="6350" cap="flat" cmpd="sng" algn="ctr">
-                      <a:solidFill>
-                        <a:srgbClr val="000000"/>
-                      </a:solidFill>
-                      <a:prstDash val="solid"/>
-                      <a:round/>
-                      <a:headEnd type="none" w="med" len="med"/>
-                      <a:tailEnd type="none" w="med" len="med"/>
-                    </a:lnL>
-                    <a:lnR w="6350" cap="flat" cmpd="sng" algn="ctr">
-                      <a:solidFill>
-                        <a:srgbClr val="000000"/>
-                      </a:solidFill>
-                      <a:prstDash val="solid"/>
-                      <a:round/>
-                      <a:headEnd type="none" w="med" len="med"/>
-                      <a:tailEnd type="none" w="med" len="med"/>
-                    </a:lnR>
-                    <a:lnT w="6350" cap="flat" cmpd="sng" algn="ctr">
-                      <a:solidFill>
-                        <a:srgbClr val="000000"/>
-                      </a:solidFill>
-                      <a:prstDash val="solid"/>
-                      <a:round/>
-                      <a:headEnd type="none" w="med" len="med"/>
-                      <a:tailEnd type="none" w="med" len="med"/>
-                    </a:lnT>
-                    <a:lnB w="6350" cap="flat" cmpd="sng" algn="ctr">
-                      <a:solidFill>
-                        <a:srgbClr val="000000"/>
-                      </a:solidFill>
-                      <a:prstDash val="solid"/>
-                      <a:round/>
-                      <a:headEnd type="none" w="med" len="med"/>
-                      <a:tailEnd type="none" w="med" len="med"/>
-                    </a:lnB>
-                  </a:tcPr>
-                </a:tc>
-                <a:tc>
-                  <a:txBody>
-                    <a:bodyPr/>
-                    <a:lstStyle/>
-                    <a:p>
-                      <a:pPr algn="l" fontAlgn="ctr"/>
-                      <a:endParaRPr lang="ko-KR" altLang="en-US" sz="1100" b="0" i="0" u="none" strike="noStrike" dirty="0">
-                        <a:solidFill>
-                          <a:srgbClr val="000000"/>
-                        </a:solidFill>
-                        <a:effectLst/>
-                        <a:latin typeface="맑은 고딕" panose="020B0503020000020004" pitchFamily="50" charset="-127"/>
-                        <a:ea typeface="맑은 고딕" panose="020B0503020000020004" pitchFamily="50" charset="-127"/>
-                      </a:endParaRPr>
-                    </a:p>
-                  </a:txBody>
-                  <a:tcPr marL="9525" marR="9525" marT="9525" marB="0" anchor="ctr">
-                    <a:lnL w="6350" cap="flat" cmpd="sng" algn="ctr">
-                      <a:solidFill>
-                        <a:srgbClr val="000000"/>
-                      </a:solidFill>
-                      <a:prstDash val="solid"/>
-                      <a:round/>
-                      <a:headEnd type="none" w="med" len="med"/>
-                      <a:tailEnd type="none" w="med" len="med"/>
-                    </a:lnL>
-                    <a:lnR w="6350" cap="flat" cmpd="sng" algn="ctr">
-                      <a:solidFill>
-                        <a:srgbClr val="000000"/>
-                      </a:solidFill>
-                      <a:prstDash val="solid"/>
-                      <a:round/>
-                      <a:headEnd type="none" w="med" len="med"/>
-                      <a:tailEnd type="none" w="med" len="med"/>
-                    </a:lnR>
-                    <a:lnT w="6350" cap="flat" cmpd="sng" algn="ctr">
-                      <a:solidFill>
-                        <a:srgbClr val="000000"/>
-                      </a:solidFill>
-                      <a:prstDash val="solid"/>
-                      <a:round/>
-                      <a:headEnd type="none" w="med" len="med"/>
-                      <a:tailEnd type="none" w="med" len="med"/>
-                    </a:lnT>
-                    <a:lnB w="6350" cap="flat" cmpd="sng" algn="ctr">
-                      <a:solidFill>
-                        <a:srgbClr val="000000"/>
-                      </a:solidFill>
-                      <a:prstDash val="solid"/>
-                      <a:round/>
-                      <a:headEnd type="none" w="med" len="med"/>
-                      <a:tailEnd type="none" w="med" len="med"/>
-                    </a:lnB>
-                  </a:tcPr>
-                </a:tc>
-                <a:extLst>
-                  <a:ext uri="{0D108BD9-81ED-4DB2-BD59-A6C34878D82A}">
-                    <a16:rowId xmlns="" xmlns:a16="http://schemas.microsoft.com/office/drawing/2014/main" val="10002"/>
-                  </a:ext>
-                </a:extLst>
-              </a:tr>
-              <a:tr h="289783">
-                <a:tc vMerge="1">
-                  <a:txBody>
-                    <a:bodyPr/>
-                    <a:lstStyle/>
-                    <a:p>
-                      <a:pPr algn="ctr" fontAlgn="ctr"/>
-                      <a:endParaRPr lang="ko-KR" altLang="en-US" sz="900" b="1" i="0" u="none" strike="noStrike" dirty="0">
-                        <a:solidFill>
-                          <a:srgbClr val="000000"/>
-                        </a:solidFill>
-                        <a:effectLst/>
-                        <a:latin typeface="맑은 고딕" panose="020B0503020000020004" pitchFamily="50" charset="-127"/>
-                        <a:ea typeface="맑은 고딕" panose="020B0503020000020004" pitchFamily="50" charset="-127"/>
-                      </a:endParaRPr>
                     </a:p>
                   </a:txBody>
                   <a:tcPr marL="9525" marR="9525" marT="9525" marB="0" anchor="ctr">
@@ -11180,7 +10795,7 @@
                           <a:latin typeface="맑은 고딕" panose="020B0503020000020004" pitchFamily="50" charset="-127"/>
                           <a:ea typeface="+mn-ea"/>
                         </a:rPr>
-                        <a:t>E</a:t>
+                        <a:t>S</a:t>
                       </a:r>
                       <a:endParaRPr lang="ko-KR" altLang="en-US" sz="1100" b="0" i="0" u="none" strike="noStrike" dirty="0" smtClean="0">
                         <a:solidFill>
@@ -11409,7 +11024,7 @@
                 </a:tc>
                 <a:extLst>
                   <a:ext uri="{0D108BD9-81ED-4DB2-BD59-A6C34878D82A}">
-                    <a16:rowId xmlns="" xmlns:a16="http://schemas.microsoft.com/office/drawing/2014/main" val="10003"/>
+                    <a16:rowId xmlns:a16="http://schemas.microsoft.com/office/drawing/2014/main" xmlns="" val="10003"/>
                   </a:ext>
                 </a:extLst>
               </a:tr>
@@ -11470,6 +11085,193 @@
                     <a:solidFill>
                       <a:srgbClr val="D0CECE"/>
                     </a:solidFill>
+                  </a:tcPr>
+                </a:tc>
+                <a:tc>
+                  <a:txBody>
+                    <a:bodyPr/>
+                    <a:lstStyle/>
+                    <a:p>
+                      <a:pPr algn="ctr" fontAlgn="ctr"/>
+                      <a:r>
+                        <a:rPr lang="ko-KR" altLang="en-US" sz="1100" b="0" i="0" u="none" strike="noStrike" dirty="0" err="1" smtClean="0">
+                          <a:solidFill>
+                            <a:srgbClr val="000000"/>
+                          </a:solidFill>
+                          <a:effectLst/>
+                          <a:latin typeface="맑은 고딕" panose="020B0503020000020004" pitchFamily="50" charset="-127"/>
+                          <a:ea typeface="맑은 고딕" panose="020B0503020000020004" pitchFamily="50" charset="-127"/>
+                        </a:rPr>
+                        <a:t>스킬명</a:t>
+                      </a:r>
+                      <a:endParaRPr lang="ko-KR" altLang="en-US" sz="1100" b="0" i="0" u="none" strike="noStrike" dirty="0">
+                        <a:solidFill>
+                          <a:srgbClr val="000000"/>
+                        </a:solidFill>
+                        <a:effectLst/>
+                        <a:latin typeface="맑은 고딕" panose="020B0503020000020004" pitchFamily="50" charset="-127"/>
+                        <a:ea typeface="맑은 고딕" panose="020B0503020000020004" pitchFamily="50" charset="-127"/>
+                      </a:endParaRPr>
+                    </a:p>
+                  </a:txBody>
+                  <a:tcPr marL="9525" marR="9525" marT="9525" marB="0" anchor="ctr">
+                    <a:lnL w="6350" cap="flat" cmpd="sng" algn="ctr">
+                      <a:solidFill>
+                        <a:srgbClr val="000000"/>
+                      </a:solidFill>
+                      <a:prstDash val="solid"/>
+                      <a:round/>
+                      <a:headEnd type="none" w="med" len="med"/>
+                      <a:tailEnd type="none" w="med" len="med"/>
+                    </a:lnL>
+                    <a:lnR w="6350" cap="flat" cmpd="sng" algn="ctr">
+                      <a:solidFill>
+                        <a:srgbClr val="000000"/>
+                      </a:solidFill>
+                      <a:prstDash val="solid"/>
+                      <a:round/>
+                      <a:headEnd type="none" w="med" len="med"/>
+                      <a:tailEnd type="none" w="med" len="med"/>
+                    </a:lnR>
+                    <a:lnT w="6350" cap="flat" cmpd="sng" algn="ctr">
+                      <a:solidFill>
+                        <a:srgbClr val="000000"/>
+                      </a:solidFill>
+                      <a:prstDash val="solid"/>
+                      <a:round/>
+                      <a:headEnd type="none" w="med" len="med"/>
+                      <a:tailEnd type="none" w="med" len="med"/>
+                    </a:lnT>
+                    <a:lnB w="6350" cap="flat" cmpd="sng" algn="ctr">
+                      <a:solidFill>
+                        <a:srgbClr val="000000"/>
+                      </a:solidFill>
+                      <a:prstDash val="solid"/>
+                      <a:round/>
+                      <a:headEnd type="none" w="med" len="med"/>
+                      <a:tailEnd type="none" w="med" len="med"/>
+                    </a:lnB>
+                  </a:tcPr>
+                </a:tc>
+                <a:tc>
+                  <a:txBody>
+                    <a:bodyPr/>
+                    <a:lstStyle/>
+                    <a:p>
+                      <a:pPr algn="ctr" fontAlgn="ctr"/>
+                      <a:r>
+                        <a:rPr lang="en-US" altLang="ko-KR" sz="1100" b="0" i="0" u="none" strike="noStrike" dirty="0" smtClean="0">
+                          <a:solidFill>
+                            <a:srgbClr val="000000"/>
+                          </a:solidFill>
+                          <a:effectLst/>
+                          <a:latin typeface="맑은 고딕" panose="020B0503020000020004" pitchFamily="50" charset="-127"/>
+                          <a:ea typeface="맑은 고딕" panose="020B0503020000020004" pitchFamily="50" charset="-127"/>
+                        </a:rPr>
+                        <a:t>S</a:t>
+                      </a:r>
+                      <a:endParaRPr lang="ko-KR" altLang="en-US" sz="1100" b="0" i="0" u="none" strike="noStrike" dirty="0">
+                        <a:solidFill>
+                          <a:srgbClr val="000000"/>
+                        </a:solidFill>
+                        <a:effectLst/>
+                        <a:latin typeface="맑은 고딕" panose="020B0503020000020004" pitchFamily="50" charset="-127"/>
+                        <a:ea typeface="맑은 고딕" panose="020B0503020000020004" pitchFamily="50" charset="-127"/>
+                      </a:endParaRPr>
+                    </a:p>
+                  </a:txBody>
+                  <a:tcPr marL="9525" marR="9525" marT="9525" marB="0" anchor="ctr">
+                    <a:lnL w="6350" cap="flat" cmpd="sng" algn="ctr">
+                      <a:solidFill>
+                        <a:srgbClr val="000000"/>
+                      </a:solidFill>
+                      <a:prstDash val="solid"/>
+                      <a:round/>
+                      <a:headEnd type="none" w="med" len="med"/>
+                      <a:tailEnd type="none" w="med" len="med"/>
+                    </a:lnL>
+                    <a:lnR w="6350" cap="flat" cmpd="sng" algn="ctr">
+                      <a:solidFill>
+                        <a:srgbClr val="000000"/>
+                      </a:solidFill>
+                      <a:prstDash val="solid"/>
+                      <a:round/>
+                      <a:headEnd type="none" w="med" len="med"/>
+                      <a:tailEnd type="none" w="med" len="med"/>
+                    </a:lnR>
+                    <a:lnT w="6350" cap="flat" cmpd="sng" algn="ctr">
+                      <a:solidFill>
+                        <a:srgbClr val="000000"/>
+                      </a:solidFill>
+                      <a:prstDash val="solid"/>
+                      <a:round/>
+                      <a:headEnd type="none" w="med" len="med"/>
+                      <a:tailEnd type="none" w="med" len="med"/>
+                    </a:lnT>
+                    <a:lnB w="6350" cap="flat" cmpd="sng" algn="ctr">
+                      <a:solidFill>
+                        <a:srgbClr val="000000"/>
+                      </a:solidFill>
+                      <a:prstDash val="solid"/>
+                      <a:round/>
+                      <a:headEnd type="none" w="med" len="med"/>
+                      <a:tailEnd type="none" w="med" len="med"/>
+                    </a:lnB>
+                  </a:tcPr>
+                </a:tc>
+                <a:tc>
+                  <a:txBody>
+                    <a:bodyPr/>
+                    <a:lstStyle/>
+                    <a:p>
+                      <a:pPr algn="l" fontAlgn="ctr"/>
+                      <a:endParaRPr lang="ko-KR" altLang="en-US" sz="1100" b="0" i="0" u="none" strike="noStrike" dirty="0">
+                        <a:solidFill>
+                          <a:srgbClr val="000000"/>
+                        </a:solidFill>
+                        <a:effectLst/>
+                        <a:latin typeface="맑은 고딕" panose="020B0503020000020004" pitchFamily="50" charset="-127"/>
+                        <a:ea typeface="맑은 고딕" panose="020B0503020000020004" pitchFamily="50" charset="-127"/>
+                      </a:endParaRPr>
+                    </a:p>
+                  </a:txBody>
+                  <a:tcPr marL="9525" marR="9525" marT="9525" marB="0" anchor="ctr">
+                    <a:lnL w="6350" cap="flat" cmpd="sng" algn="ctr">
+                      <a:solidFill>
+                        <a:srgbClr val="000000"/>
+                      </a:solidFill>
+                      <a:prstDash val="solid"/>
+                      <a:round/>
+                      <a:headEnd type="none" w="med" len="med"/>
+                      <a:tailEnd type="none" w="med" len="med"/>
+                    </a:lnL>
+                    <a:lnR w="6350" cap="flat" cmpd="sng" algn="ctr">
+                      <a:solidFill>
+                        <a:srgbClr val="000000"/>
+                      </a:solidFill>
+                      <a:prstDash val="solid"/>
+                      <a:round/>
+                      <a:headEnd type="none" w="med" len="med"/>
+                      <a:tailEnd type="none" w="med" len="med"/>
+                    </a:lnR>
+                    <a:lnT w="6350" cap="flat" cmpd="sng" algn="ctr">
+                      <a:solidFill>
+                        <a:srgbClr val="000000"/>
+                      </a:solidFill>
+                      <a:prstDash val="solid"/>
+                      <a:round/>
+                      <a:headEnd type="none" w="med" len="med"/>
+                      <a:tailEnd type="none" w="med" len="med"/>
+                    </a:lnT>
+                    <a:lnB w="6350" cap="flat" cmpd="sng" algn="ctr">
+                      <a:solidFill>
+                        <a:srgbClr val="000000"/>
+                      </a:solidFill>
+                      <a:prstDash val="solid"/>
+                      <a:round/>
+                      <a:headEnd type="none" w="med" len="med"/>
+                      <a:tailEnd type="none" w="med" len="med"/>
+                    </a:lnB>
                   </a:tcPr>
                 </a:tc>
                 <a:tc>
@@ -11543,72 +11345,6 @@
                     <a:bodyPr/>
                     <a:lstStyle/>
                     <a:p>
-                      <a:pPr algn="ctr" fontAlgn="ctr"/>
-                      <a:r>
-                        <a:rPr lang="en-US" altLang="ko-KR" sz="1100" b="0" i="0" u="none" strike="noStrike" dirty="0" smtClean="0">
-                          <a:solidFill>
-                            <a:srgbClr val="000000"/>
-                          </a:solidFill>
-                          <a:effectLst/>
-                          <a:latin typeface="맑은 고딕" panose="020B0503020000020004" pitchFamily="50" charset="-127"/>
-                          <a:ea typeface="맑은 고딕" panose="020B0503020000020004" pitchFamily="50" charset="-127"/>
-                        </a:rPr>
-                        <a:t>E</a:t>
-                      </a:r>
-                      <a:endParaRPr lang="ko-KR" altLang="en-US" sz="1100" b="0" i="0" u="none" strike="noStrike" dirty="0">
-                        <a:solidFill>
-                          <a:srgbClr val="000000"/>
-                        </a:solidFill>
-                        <a:effectLst/>
-                        <a:latin typeface="맑은 고딕" panose="020B0503020000020004" pitchFamily="50" charset="-127"/>
-                        <a:ea typeface="맑은 고딕" panose="020B0503020000020004" pitchFamily="50" charset="-127"/>
-                      </a:endParaRPr>
-                    </a:p>
-                  </a:txBody>
-                  <a:tcPr marL="9525" marR="9525" marT="9525" marB="0" anchor="ctr">
-                    <a:lnL w="6350" cap="flat" cmpd="sng" algn="ctr">
-                      <a:solidFill>
-                        <a:srgbClr val="000000"/>
-                      </a:solidFill>
-                      <a:prstDash val="solid"/>
-                      <a:round/>
-                      <a:headEnd type="none" w="med" len="med"/>
-                      <a:tailEnd type="none" w="med" len="med"/>
-                    </a:lnL>
-                    <a:lnR w="6350" cap="flat" cmpd="sng" algn="ctr">
-                      <a:solidFill>
-                        <a:srgbClr val="000000"/>
-                      </a:solidFill>
-                      <a:prstDash val="solid"/>
-                      <a:round/>
-                      <a:headEnd type="none" w="med" len="med"/>
-                      <a:tailEnd type="none" w="med" len="med"/>
-                    </a:lnR>
-                    <a:lnT w="6350" cap="flat" cmpd="sng" algn="ctr">
-                      <a:solidFill>
-                        <a:srgbClr val="000000"/>
-                      </a:solidFill>
-                      <a:prstDash val="solid"/>
-                      <a:round/>
-                      <a:headEnd type="none" w="med" len="med"/>
-                      <a:tailEnd type="none" w="med" len="med"/>
-                    </a:lnT>
-                    <a:lnB w="6350" cap="flat" cmpd="sng" algn="ctr">
-                      <a:solidFill>
-                        <a:srgbClr val="000000"/>
-                      </a:solidFill>
-                      <a:prstDash val="solid"/>
-                      <a:round/>
-                      <a:headEnd type="none" w="med" len="med"/>
-                      <a:tailEnd type="none" w="med" len="med"/>
-                    </a:lnB>
-                  </a:tcPr>
-                </a:tc>
-                <a:tc>
-                  <a:txBody>
-                    <a:bodyPr/>
-                    <a:lstStyle/>
-                    <a:p>
                       <a:pPr algn="l" fontAlgn="ctr"/>
                       <a:endParaRPr lang="ko-KR" altLang="en-US" sz="1100" b="0" i="0" u="none" strike="noStrike" dirty="0">
                         <a:solidFill>
@@ -11659,130 +11395,9 @@
                     </a:lnB>
                   </a:tcPr>
                 </a:tc>
-                <a:tc>
-                  <a:txBody>
-                    <a:bodyPr/>
-                    <a:lstStyle/>
-                    <a:p>
-                      <a:pPr algn="ctr" fontAlgn="ctr"/>
-                      <a:r>
-                        <a:rPr lang="ko-KR" altLang="en-US" sz="1100" b="0" i="0" u="none" strike="noStrike" dirty="0" smtClean="0">
-                          <a:solidFill>
-                            <a:srgbClr val="000000"/>
-                          </a:solidFill>
-                          <a:effectLst/>
-                          <a:latin typeface="맑은 고딕" panose="020B0503020000020004" pitchFamily="50" charset="-127"/>
-                          <a:ea typeface="맑은 고딕" panose="020B0503020000020004" pitchFamily="50" charset="-127"/>
-                        </a:rPr>
-                        <a:t>스킬</a:t>
-                      </a:r>
-                      <a:endParaRPr lang="ko-KR" altLang="en-US" sz="1100" b="0" i="0" u="none" strike="noStrike" dirty="0">
-                        <a:solidFill>
-                          <a:srgbClr val="000000"/>
-                        </a:solidFill>
-                        <a:effectLst/>
-                        <a:latin typeface="맑은 고딕" panose="020B0503020000020004" pitchFamily="50" charset="-127"/>
-                        <a:ea typeface="맑은 고딕" panose="020B0503020000020004" pitchFamily="50" charset="-127"/>
-                      </a:endParaRPr>
-                    </a:p>
-                  </a:txBody>
-                  <a:tcPr marL="9525" marR="9525" marT="9525" marB="0" anchor="ctr">
-                    <a:lnL w="6350" cap="flat" cmpd="sng" algn="ctr">
-                      <a:solidFill>
-                        <a:srgbClr val="000000"/>
-                      </a:solidFill>
-                      <a:prstDash val="solid"/>
-                      <a:round/>
-                      <a:headEnd type="none" w="med" len="med"/>
-                      <a:tailEnd type="none" w="med" len="med"/>
-                    </a:lnL>
-                    <a:lnR w="6350" cap="flat" cmpd="sng" algn="ctr">
-                      <a:solidFill>
-                        <a:srgbClr val="000000"/>
-                      </a:solidFill>
-                      <a:prstDash val="solid"/>
-                      <a:round/>
-                      <a:headEnd type="none" w="med" len="med"/>
-                      <a:tailEnd type="none" w="med" len="med"/>
-                    </a:lnR>
-                    <a:lnT w="6350" cap="flat" cmpd="sng" algn="ctr">
-                      <a:solidFill>
-                        <a:srgbClr val="000000"/>
-                      </a:solidFill>
-                      <a:prstDash val="solid"/>
-                      <a:round/>
-                      <a:headEnd type="none" w="med" len="med"/>
-                      <a:tailEnd type="none" w="med" len="med"/>
-                    </a:lnT>
-                    <a:lnB w="6350" cap="flat" cmpd="sng" algn="ctr">
-                      <a:solidFill>
-                        <a:srgbClr val="000000"/>
-                      </a:solidFill>
-                      <a:prstDash val="solid"/>
-                      <a:round/>
-                      <a:headEnd type="none" w="med" len="med"/>
-                      <a:tailEnd type="none" w="med" len="med"/>
-                    </a:lnB>
-                  </a:tcPr>
-                </a:tc>
-                <a:tc>
-                  <a:txBody>
-                    <a:bodyPr/>
-                    <a:lstStyle/>
-                    <a:p>
-                      <a:pPr algn="l" fontAlgn="ctr"/>
-                      <a:endParaRPr lang="ko-KR" altLang="en-US" sz="1100" b="0" i="0" u="none" strike="noStrike" dirty="0">
-                        <a:solidFill>
-                          <a:srgbClr val="000000"/>
-                        </a:solidFill>
-                        <a:effectLst/>
-                        <a:latin typeface="맑은 고딕" panose="020B0503020000020004" pitchFamily="50" charset="-127"/>
-                        <a:ea typeface="맑은 고딕" panose="020B0503020000020004" pitchFamily="50" charset="-127"/>
-                      </a:endParaRPr>
-                    </a:p>
-                  </a:txBody>
-                  <a:tcPr marL="9525" marR="9525" marT="9525" marB="0" anchor="ctr">
-                    <a:lnL w="6350" cap="flat" cmpd="sng" algn="ctr">
-                      <a:solidFill>
-                        <a:srgbClr val="000000"/>
-                      </a:solidFill>
-                      <a:prstDash val="solid"/>
-                      <a:round/>
-                      <a:headEnd type="none" w="med" len="med"/>
-                      <a:tailEnd type="none" w="med" len="med"/>
-                    </a:lnL>
-                    <a:lnR w="6350" cap="flat" cmpd="sng" algn="ctr">
-                      <a:solidFill>
-                        <a:srgbClr val="000000"/>
-                      </a:solidFill>
-                      <a:prstDash val="solid"/>
-                      <a:round/>
-                      <a:headEnd type="none" w="med" len="med"/>
-                      <a:tailEnd type="none" w="med" len="med"/>
-                    </a:lnR>
-                    <a:lnT w="6350" cap="flat" cmpd="sng" algn="ctr">
-                      <a:solidFill>
-                        <a:srgbClr val="000000"/>
-                      </a:solidFill>
-                      <a:prstDash val="solid"/>
-                      <a:round/>
-                      <a:headEnd type="none" w="med" len="med"/>
-                      <a:tailEnd type="none" w="med" len="med"/>
-                    </a:lnT>
-                    <a:lnB w="6350" cap="flat" cmpd="sng" algn="ctr">
-                      <a:solidFill>
-                        <a:srgbClr val="000000"/>
-                      </a:solidFill>
-                      <a:prstDash val="solid"/>
-                      <a:round/>
-                      <a:headEnd type="none" w="med" len="med"/>
-                      <a:tailEnd type="none" w="med" len="med"/>
-                    </a:lnB>
-                  </a:tcPr>
-                </a:tc>
                 <a:extLst>
                   <a:ext uri="{0D108BD9-81ED-4DB2-BD59-A6C34878D82A}">
-                    <a16:rowId xmlns="" xmlns:a16="http://schemas.microsoft.com/office/drawing/2014/main" val="10004"/>
+                    <a16:rowId xmlns:a16="http://schemas.microsoft.com/office/drawing/2014/main" xmlns="" val="10004"/>
                   </a:ext>
                 </a:extLst>
               </a:tr>
@@ -11942,7 +11557,7 @@
                           <a:latin typeface="맑은 고딕" panose="020B0503020000020004" pitchFamily="50" charset="-127"/>
                           <a:ea typeface="+mn-ea"/>
                         </a:rPr>
-                        <a:t>E</a:t>
+                        <a:t>S</a:t>
                       </a:r>
                       <a:endParaRPr lang="ko-KR" altLang="en-US" sz="1100" b="0" i="0" u="none" strike="noStrike" dirty="0" smtClean="0">
                         <a:solidFill>
@@ -12171,7 +11786,7 @@
                 </a:tc>
                 <a:extLst>
                   <a:ext uri="{0D108BD9-81ED-4DB2-BD59-A6C34878D82A}">
-                    <a16:rowId xmlns="" xmlns:a16="http://schemas.microsoft.com/office/drawing/2014/main" val="10005"/>
+                    <a16:rowId xmlns:a16="http://schemas.microsoft.com/office/drawing/2014/main" xmlns="" val="10005"/>
                   </a:ext>
                 </a:extLst>
               </a:tr>
@@ -12547,7 +12162,7 @@
                 </a:tc>
                 <a:extLst>
                   <a:ext uri="{0D108BD9-81ED-4DB2-BD59-A6C34878D82A}">
-                    <a16:rowId xmlns="" xmlns:a16="http://schemas.microsoft.com/office/drawing/2014/main" val="10006"/>
+                    <a16:rowId xmlns:a16="http://schemas.microsoft.com/office/drawing/2014/main" xmlns="" val="10006"/>
                   </a:ext>
                 </a:extLst>
               </a:tr>
@@ -12890,7 +12505,7 @@
                 </a:tc>
                 <a:extLst>
                   <a:ext uri="{0D108BD9-81ED-4DB2-BD59-A6C34878D82A}">
-                    <a16:rowId xmlns="" xmlns:a16="http://schemas.microsoft.com/office/drawing/2014/main" val="10007"/>
+                    <a16:rowId xmlns:a16="http://schemas.microsoft.com/office/drawing/2014/main" xmlns="" val="10007"/>
                   </a:ext>
                 </a:extLst>
               </a:tr>
@@ -13236,7 +12851,7 @@
   <a:extraClrSchemeLst/>
   <a:extLst>
     <a:ext uri="{05A4C25C-085E-4340-85A3-A5531E510DB2}">
-      <thm15:themeFamily xmlns="" xmlns:thm15="http://schemas.microsoft.com/office/thememl/2012/main" name="Office Theme" id="{62F939B6-93AF-4DB8-9C6B-D6C7DFDC589F}" vid="{4A3C46E8-61CC-4603-A589-7422A47A8E4A}"/>
+      <thm15:themeFamily xmlns:thm15="http://schemas.microsoft.com/office/thememl/2012/main" xmlns="" name="Office Theme" id="{62F939B6-93AF-4DB8-9C6B-D6C7DFDC589F}" vid="{4A3C46E8-61CC-4603-A589-7422A47A8E4A}"/>
     </a:ext>
   </a:extLst>
 </a:theme>
